--- a/Correlation KC.pptx
+++ b/Correlation KC.pptx
@@ -13,8 +13,10 @@
     <p:sldId id="264" r:id="rId7"/>
     <p:sldId id="265" r:id="rId8"/>
     <p:sldId id="266" r:id="rId9"/>
-    <p:sldId id="257" r:id="rId10"/>
-    <p:sldId id="258" r:id="rId11"/>
+    <p:sldId id="267" r:id="rId10"/>
+    <p:sldId id="268" r:id="rId11"/>
+    <p:sldId id="257" r:id="rId12"/>
+    <p:sldId id="258" r:id="rId13"/>
   </p:sldIdLst>
   <p:sldSz cx="12192000" cy="6858000"/>
   <p:notesSz cx="6858000" cy="9144000"/>
@@ -113,6 +115,11 @@
       </a:defRPr>
     </a:lvl9pPr>
   </p:defaultTextStyle>
+  <p:extLst>
+    <p:ext uri="{EFAFB233-063F-42B5-8137-9DF3F51BA10A}">
+      <p15:sldGuideLst xmlns:p15="http://schemas.microsoft.com/office/powerpoint/2012/main"/>
+    </p:ext>
+  </p:extLst>
 </p:presentation>
 </file>
 
@@ -3411,7 +3418,7 @@
           <a:p>
             <a:fld id="{02AC24A9-CCB6-4F8D-B8DB-C2F3692CFA5A}" type="datetimeFigureOut">
               <a:rPr lang="en-US" smtClean="0"/>
-              <a:t>6/5/2020</a:t>
+              <a:t>6/7/2020</a:t>
             </a:fld>
             <a:endParaRPr lang="en-US" dirty="0"/>
           </a:p>
@@ -3780,7 +3787,7 @@
           <a:p>
             <a:fld id="{ED141217-121C-4C6B-AD72-524946A9E01C}" type="datetimeFigureOut">
               <a:rPr lang="en-US" smtClean="0"/>
-              <a:t>6/5/2020</a:t>
+              <a:t>6/7/2020</a:t>
             </a:fld>
             <a:endParaRPr lang="en-US"/>
           </a:p>
@@ -4023,7 +4030,7 @@
           <a:p>
             <a:fld id="{02AC24A9-CCB6-4F8D-B8DB-C2F3692CFA5A}" type="datetimeFigureOut">
               <a:rPr lang="en-US" smtClean="0"/>
-              <a:t>6/5/2020</a:t>
+              <a:t>6/7/2020</a:t>
             </a:fld>
             <a:endParaRPr lang="en-US"/>
           </a:p>
@@ -4734,6 +4741,1050 @@
           <p:cNvPr id="9" name="Rectangle 8">
             <a:extLst>
               <a:ext uri="{FF2B5EF4-FFF2-40B4-BE49-F238E27FC236}">
+                <a16:creationId xmlns:a16="http://schemas.microsoft.com/office/drawing/2014/main" id="{726908CC-6AC4-4222-8250-B90B6072E8AC}"/>
+              </a:ext>
+              <a:ext uri="{C183D7F6-B498-43B3-948B-1728B52AA6E4}">
+                <adec:decorative xmlns:adec="http://schemas.microsoft.com/office/drawing/2017/decorative" val="1"/>
+              </a:ext>
+            </a:extLst>
+          </p:cNvPr>
+          <p:cNvSpPr>
+            <a:spLocks noGrp="1" noRot="1" noChangeAspect="1" noMove="1" noResize="1" noEditPoints="1" noAdjustHandles="1" noChangeArrowheads="1" noChangeShapeType="1" noTextEdit="1"/>
+          </p:cNvSpPr>
+          <p:nvPr>
+            <p:extLst>
+              <p:ext uri="{386F3935-93C4-4BCD-93E2-E3B085C9AB24}">
+                <p16:designElem xmlns:p16="http://schemas.microsoft.com/office/powerpoint/2015/main" val="1"/>
+              </p:ext>
+            </p:extLst>
+          </p:nvPr>
+        </p:nvSpPr>
+        <p:spPr>
+          <a:xfrm>
+            <a:off x="0" y="0"/>
+            <a:ext cx="12192000" cy="6858000"/>
+          </a:xfrm>
+          <a:prstGeom prst="rect">
+            <a:avLst/>
+          </a:prstGeom>
+          <a:ln>
+            <a:noFill/>
+          </a:ln>
+        </p:spPr>
+        <p:style>
+          <a:lnRef idx="2">
+            <a:schemeClr val="accent1">
+              <a:shade val="50000"/>
+            </a:schemeClr>
+          </a:lnRef>
+          <a:fillRef idx="1">
+            <a:schemeClr val="accent1"/>
+          </a:fillRef>
+          <a:effectRef idx="0">
+            <a:schemeClr val="accent1"/>
+          </a:effectRef>
+          <a:fontRef idx="minor">
+            <a:schemeClr val="lt1"/>
+          </a:fontRef>
+        </p:style>
+        <p:txBody>
+          <a:bodyPr rtlCol="0" anchor="ctr"/>
+          <a:lstStyle/>
+          <a:p>
+            <a:pPr algn="ctr"/>
+            <a:endParaRPr lang="en-US"/>
+          </a:p>
+        </p:txBody>
+      </p:sp>
+      <p:sp>
+        <p:nvSpPr>
+          <p:cNvPr id="11" name="Rectangle 10">
+            <a:extLst>
+              <a:ext uri="{FF2B5EF4-FFF2-40B4-BE49-F238E27FC236}">
+                <a16:creationId xmlns:a16="http://schemas.microsoft.com/office/drawing/2014/main" id="{F2F606D8-696E-4B76-BB10-43672AA1475A}"/>
+              </a:ext>
+              <a:ext uri="{C183D7F6-B498-43B3-948B-1728B52AA6E4}">
+                <adec:decorative xmlns:adec="http://schemas.microsoft.com/office/drawing/2017/decorative" val="1"/>
+              </a:ext>
+            </a:extLst>
+          </p:cNvPr>
+          <p:cNvSpPr>
+            <a:spLocks noGrp="1" noRot="1" noChangeAspect="1" noMove="1" noResize="1" noEditPoints="1" noAdjustHandles="1" noChangeArrowheads="1" noChangeShapeType="1" noTextEdit="1"/>
+          </p:cNvSpPr>
+          <p:nvPr>
+            <p:extLst>
+              <p:ext uri="{386F3935-93C4-4BCD-93E2-E3B085C9AB24}">
+                <p16:designElem xmlns:p16="http://schemas.microsoft.com/office/powerpoint/2015/main" val="1"/>
+              </p:ext>
+            </p:extLst>
+          </p:nvPr>
+        </p:nvSpPr>
+        <p:spPr>
+          <a:xfrm>
+            <a:off x="352751" y="302429"/>
+            <a:ext cx="11550506" cy="6053922"/>
+          </a:xfrm>
+          <a:prstGeom prst="rect">
+            <a:avLst/>
+          </a:prstGeom>
+          <a:solidFill>
+            <a:schemeClr val="bg1"/>
+          </a:solidFill>
+          <a:ln w="12700">
+            <a:solidFill>
+              <a:schemeClr val="tx2">
+                <a:lumMod val="10000"/>
+                <a:lumOff val="90000"/>
+              </a:schemeClr>
+            </a:solidFill>
+          </a:ln>
+          <a:effectLst>
+            <a:outerShdw blurRad="50800" dist="38100" dir="2700000" algn="tl" rotWithShape="0">
+              <a:schemeClr val="bg2">
+                <a:lumMod val="85000"/>
+                <a:alpha val="30000"/>
+              </a:schemeClr>
+            </a:outerShdw>
+          </a:effectLst>
+        </p:spPr>
+        <p:style>
+          <a:lnRef idx="2">
+            <a:schemeClr val="accent1">
+              <a:shade val="50000"/>
+            </a:schemeClr>
+          </a:lnRef>
+          <a:fillRef idx="1">
+            <a:schemeClr val="accent1"/>
+          </a:fillRef>
+          <a:effectRef idx="0">
+            <a:schemeClr val="accent1"/>
+          </a:effectRef>
+          <a:fontRef idx="minor">
+            <a:schemeClr val="lt1"/>
+          </a:fontRef>
+        </p:style>
+        <p:txBody>
+          <a:bodyPr rtlCol="0" anchor="ctr"/>
+          <a:lstStyle/>
+          <a:p>
+            <a:pPr marL="0" marR="0" lvl="0" indent="0" algn="ctr" defTabSz="914400" rtl="0" eaLnBrk="1" fontAlgn="auto" latinLnBrk="0" hangingPunct="1">
+              <a:lnSpc>
+                <a:spcPct val="100000"/>
+              </a:lnSpc>
+              <a:spcBef>
+                <a:spcPts val="0"/>
+              </a:spcBef>
+              <a:spcAft>
+                <a:spcPts val="0"/>
+              </a:spcAft>
+              <a:buClrTx/>
+              <a:buSzTx/>
+              <a:buFontTx/>
+              <a:buNone/>
+              <a:tabLst/>
+              <a:defRPr/>
+            </a:pPr>
+            <a:endParaRPr kumimoji="0" lang="en-US" sz="1800" b="0" i="0" u="none" strike="noStrike" kern="1200" cap="none" spc="0" normalizeH="0" baseline="0" noProof="0">
+              <a:ln>
+                <a:noFill/>
+              </a:ln>
+              <a:solidFill>
+                <a:prstClr val="white"/>
+              </a:solidFill>
+              <a:effectLst/>
+              <a:uLnTx/>
+              <a:uFillTx/>
+              <a:latin typeface="Calibri" panose="020F0502020204030204"/>
+              <a:ea typeface="+mn-ea"/>
+              <a:cs typeface="+mn-cs"/>
+            </a:endParaRPr>
+          </a:p>
+        </p:txBody>
+      </p:sp>
+      <p:pic>
+        <p:nvPicPr>
+          <p:cNvPr id="4" name="Content Placeholder 3">
+            <a:extLst>
+              <a:ext uri="{FF2B5EF4-FFF2-40B4-BE49-F238E27FC236}">
+                <a16:creationId xmlns:a16="http://schemas.microsoft.com/office/drawing/2014/main" id="{6615A838-6D29-4F14-AD88-E9B3223D4689}"/>
+              </a:ext>
+            </a:extLst>
+          </p:cNvPr>
+          <p:cNvPicPr>
+            <a:picLocks noGrp="1" noChangeAspect="1"/>
+          </p:cNvPicPr>
+          <p:nvPr>
+            <p:ph idx="1"/>
+          </p:nvPr>
+        </p:nvPicPr>
+        <p:blipFill rotWithShape="1">
+          <a:blip r:embed="rId2"/>
+          <a:srcRect t="6822" r="-1" b="-1"/>
+          <a:stretch/>
+        </p:blipFill>
+        <p:spPr>
+          <a:xfrm>
+            <a:off x="352751" y="302429"/>
+            <a:ext cx="11550506" cy="6053920"/>
+          </a:xfrm>
+          <a:prstGeom prst="rect">
+            <a:avLst/>
+          </a:prstGeom>
+        </p:spPr>
+      </p:pic>
+      <p:sp>
+        <p:nvSpPr>
+          <p:cNvPr id="13" name="Rectangle 12">
+            <a:extLst>
+              <a:ext uri="{FF2B5EF4-FFF2-40B4-BE49-F238E27FC236}">
+                <a16:creationId xmlns:a16="http://schemas.microsoft.com/office/drawing/2014/main" id="{3ABF1881-5AFD-48F9-979A-19EE2FE30A33}"/>
+              </a:ext>
+              <a:ext uri="{C183D7F6-B498-43B3-948B-1728B52AA6E4}">
+                <adec:decorative xmlns:adec="http://schemas.microsoft.com/office/drawing/2017/decorative" val="1"/>
+              </a:ext>
+            </a:extLst>
+          </p:cNvPr>
+          <p:cNvSpPr>
+            <a:spLocks noGrp="1" noRot="1" noChangeAspect="1" noMove="1" noResize="1" noEditPoints="1" noAdjustHandles="1" noChangeArrowheads="1" noChangeShapeType="1" noTextEdit="1"/>
+          </p:cNvSpPr>
+          <p:nvPr>
+            <p:extLst>
+              <p:ext uri="{386F3935-93C4-4BCD-93E2-E3B085C9AB24}">
+                <p16:designElem xmlns:p16="http://schemas.microsoft.com/office/powerpoint/2015/main" val="1"/>
+              </p:ext>
+            </p:extLst>
+          </p:nvPr>
+        </p:nvSpPr>
+        <p:spPr>
+          <a:xfrm rot="10800000">
+            <a:off x="278608" y="2735029"/>
+            <a:ext cx="148286" cy="1188720"/>
+          </a:xfrm>
+          <a:prstGeom prst="rect">
+            <a:avLst/>
+          </a:prstGeom>
+          <a:solidFill>
+            <a:schemeClr val="accent1"/>
+          </a:solidFill>
+          <a:ln>
+            <a:noFill/>
+          </a:ln>
+        </p:spPr>
+        <p:style>
+          <a:lnRef idx="2">
+            <a:schemeClr val="accent1">
+              <a:shade val="50000"/>
+            </a:schemeClr>
+          </a:lnRef>
+          <a:fillRef idx="1">
+            <a:schemeClr val="accent1"/>
+          </a:fillRef>
+          <a:effectRef idx="0">
+            <a:schemeClr val="accent1"/>
+          </a:effectRef>
+          <a:fontRef idx="minor">
+            <a:schemeClr val="lt1"/>
+          </a:fontRef>
+        </p:style>
+        <p:txBody>
+          <a:bodyPr rtlCol="0" anchor="ctr"/>
+          <a:lstStyle/>
+          <a:p>
+            <a:pPr marL="0" marR="0" lvl="0" indent="0" algn="ctr" defTabSz="914400" rtl="0" eaLnBrk="1" fontAlgn="auto" latinLnBrk="0" hangingPunct="1">
+              <a:lnSpc>
+                <a:spcPct val="100000"/>
+              </a:lnSpc>
+              <a:spcBef>
+                <a:spcPts val="0"/>
+              </a:spcBef>
+              <a:spcAft>
+                <a:spcPts val="0"/>
+              </a:spcAft>
+              <a:buClrTx/>
+              <a:buSzTx/>
+              <a:buFontTx/>
+              <a:buNone/>
+              <a:tabLst/>
+              <a:defRPr/>
+            </a:pPr>
+            <a:endParaRPr kumimoji="0" lang="en-US" sz="1800" b="0" i="0" u="none" strike="noStrike" kern="1200" cap="none" spc="0" normalizeH="0" baseline="0" noProof="0">
+              <a:ln>
+                <a:noFill/>
+              </a:ln>
+              <a:solidFill>
+                <a:prstClr val="white"/>
+              </a:solidFill>
+              <a:effectLst/>
+              <a:uLnTx/>
+              <a:uFillTx/>
+              <a:latin typeface="Calibri" panose="020F0502020204030204"/>
+              <a:ea typeface="+mn-ea"/>
+              <a:cs typeface="+mn-cs"/>
+            </a:endParaRPr>
+          </a:p>
+        </p:txBody>
+      </p:sp>
+    </p:spTree>
+    <p:extLst>
+      <p:ext uri="{BB962C8B-B14F-4D97-AF65-F5344CB8AC3E}">
+        <p14:creationId xmlns:p14="http://schemas.microsoft.com/office/powerpoint/2010/main" val="3724681026"/>
+      </p:ext>
+    </p:extLst>
+  </p:cSld>
+  <p:clrMapOvr>
+    <a:masterClrMapping/>
+  </p:clrMapOvr>
+</p:sld>
+</file>
+
+<file path=ppt/slides/slide11.xml><?xml version="1.0" encoding="utf-8"?>
+<p:sld xmlns:a="http://schemas.openxmlformats.org/drawingml/2006/main" xmlns:r="http://schemas.openxmlformats.org/officeDocument/2006/relationships" xmlns:p="http://schemas.openxmlformats.org/presentationml/2006/main">
+  <p:cSld>
+    <p:bg>
+      <p:bgPr>
+        <a:solidFill>
+          <a:schemeClr val="bg1"/>
+        </a:solidFill>
+        <a:effectLst/>
+      </p:bgPr>
+    </p:bg>
+    <p:spTree>
+      <p:nvGrpSpPr>
+        <p:cNvPr id="1" name=""/>
+        <p:cNvGrpSpPr/>
+        <p:nvPr/>
+      </p:nvGrpSpPr>
+      <p:grpSpPr>
+        <a:xfrm>
+          <a:off x="0" y="0"/>
+          <a:ext cx="0" cy="0"/>
+          <a:chOff x="0" y="0"/>
+          <a:chExt cx="0" cy="0"/>
+        </a:xfrm>
+      </p:grpSpPr>
+      <p:sp useBgFill="1">
+        <p:nvSpPr>
+          <p:cNvPr id="8" name="Rectangle 7">
+            <a:extLst>
+              <a:ext uri="{FF2B5EF4-FFF2-40B4-BE49-F238E27FC236}">
+                <a16:creationId xmlns:a16="http://schemas.microsoft.com/office/drawing/2014/main" id="{2D6FBB9D-1CAA-4D05-AB33-BABDFE17B843}"/>
+              </a:ext>
+              <a:ext uri="{C183D7F6-B498-43B3-948B-1728B52AA6E4}">
+                <adec:decorative xmlns:adec="http://schemas.microsoft.com/office/drawing/2017/decorative" val="1"/>
+              </a:ext>
+            </a:extLst>
+          </p:cNvPr>
+          <p:cNvSpPr>
+            <a:spLocks noGrp="1" noRot="1" noChangeAspect="1" noMove="1" noResize="1" noEditPoints="1" noAdjustHandles="1" noChangeArrowheads="1" noChangeShapeType="1" noTextEdit="1"/>
+          </p:cNvSpPr>
+          <p:nvPr>
+            <p:extLst>
+              <p:ext uri="{386F3935-93C4-4BCD-93E2-E3B085C9AB24}">
+                <p16:designElem xmlns:p16="http://schemas.microsoft.com/office/powerpoint/2015/main" val="1"/>
+              </p:ext>
+            </p:extLst>
+          </p:nvPr>
+        </p:nvSpPr>
+        <p:spPr>
+          <a:xfrm>
+            <a:off x="558209" y="0"/>
+            <a:ext cx="11167447" cy="2018806"/>
+          </a:xfrm>
+          <a:prstGeom prst="rect">
+            <a:avLst/>
+          </a:prstGeom>
+          <a:ln w="9525">
+            <a:solidFill>
+              <a:schemeClr val="tx2">
+                <a:lumMod val="10000"/>
+                <a:lumOff val="90000"/>
+              </a:schemeClr>
+            </a:solidFill>
+          </a:ln>
+          <a:effectLst>
+            <a:outerShdw blurRad="50800" dist="38100" dir="2700000" algn="tl" rotWithShape="0">
+              <a:schemeClr val="bg1">
+                <a:lumMod val="85000"/>
+                <a:alpha val="30000"/>
+              </a:schemeClr>
+            </a:outerShdw>
+          </a:effectLst>
+        </p:spPr>
+        <p:style>
+          <a:lnRef idx="2">
+            <a:schemeClr val="accent1">
+              <a:shade val="50000"/>
+            </a:schemeClr>
+          </a:lnRef>
+          <a:fillRef idx="1">
+            <a:schemeClr val="accent1"/>
+          </a:fillRef>
+          <a:effectRef idx="0">
+            <a:schemeClr val="accent1"/>
+          </a:effectRef>
+          <a:fontRef idx="minor">
+            <a:schemeClr val="lt1"/>
+          </a:fontRef>
+        </p:style>
+        <p:txBody>
+          <a:bodyPr rtlCol="0" anchor="ctr"/>
+          <a:lstStyle/>
+          <a:p>
+            <a:pPr marL="0" marR="0" lvl="0" indent="0" algn="ctr" defTabSz="914400" rtl="0" eaLnBrk="1" fontAlgn="auto" latinLnBrk="0" hangingPunct="1">
+              <a:lnSpc>
+                <a:spcPct val="100000"/>
+              </a:lnSpc>
+              <a:spcBef>
+                <a:spcPts val="0"/>
+              </a:spcBef>
+              <a:spcAft>
+                <a:spcPts val="0"/>
+              </a:spcAft>
+              <a:buClrTx/>
+              <a:buSzTx/>
+              <a:buFontTx/>
+              <a:buNone/>
+              <a:tabLst/>
+              <a:defRPr/>
+            </a:pPr>
+            <a:endParaRPr kumimoji="0" lang="en-US" sz="1800" b="0" i="0" u="none" strike="noStrike" kern="1200" cap="none" spc="0" normalizeH="0" baseline="0" noProof="0">
+              <a:ln>
+                <a:noFill/>
+              </a:ln>
+              <a:solidFill>
+                <a:prstClr val="white"/>
+              </a:solidFill>
+              <a:effectLst/>
+              <a:uLnTx/>
+              <a:uFillTx/>
+              <a:latin typeface="Calibri" panose="020F0502020204030204"/>
+              <a:ea typeface="+mn-ea"/>
+              <a:cs typeface="+mn-cs"/>
+            </a:endParaRPr>
+          </a:p>
+        </p:txBody>
+      </p:sp>
+      <p:sp useBgFill="1">
+        <p:nvSpPr>
+          <p:cNvPr id="10" name="Rectangle 9">
+            <a:extLst>
+              <a:ext uri="{FF2B5EF4-FFF2-40B4-BE49-F238E27FC236}">
+                <a16:creationId xmlns:a16="http://schemas.microsoft.com/office/drawing/2014/main" id="{04727B71-B4B6-4823-80A1-68C40B475118}"/>
+              </a:ext>
+              <a:ext uri="{C183D7F6-B498-43B3-948B-1728B52AA6E4}">
+                <adec:decorative xmlns:adec="http://schemas.microsoft.com/office/drawing/2017/decorative" val="1"/>
+              </a:ext>
+            </a:extLst>
+          </p:cNvPr>
+          <p:cNvSpPr>
+            <a:spLocks noGrp="1" noRot="1" noChangeAspect="1" noMove="1" noResize="1" noEditPoints="1" noAdjustHandles="1" noChangeArrowheads="1" noChangeShapeType="1" noTextEdit="1"/>
+          </p:cNvSpPr>
+          <p:nvPr>
+            <p:extLst>
+              <p:ext uri="{386F3935-93C4-4BCD-93E2-E3B085C9AB24}">
+                <p16:designElem xmlns:p16="http://schemas.microsoft.com/office/powerpoint/2015/main" val="1"/>
+              </p:ext>
+            </p:extLst>
+          </p:nvPr>
+        </p:nvSpPr>
+        <p:spPr>
+          <a:xfrm>
+            <a:off x="566928" y="0"/>
+            <a:ext cx="11155680" cy="2011680"/>
+          </a:xfrm>
+          <a:prstGeom prst="rect">
+            <a:avLst/>
+          </a:prstGeom>
+          <a:ln w="9525">
+            <a:noFill/>
+          </a:ln>
+          <a:effectLst/>
+        </p:spPr>
+        <p:style>
+          <a:lnRef idx="2">
+            <a:schemeClr val="accent1">
+              <a:shade val="50000"/>
+            </a:schemeClr>
+          </a:lnRef>
+          <a:fillRef idx="1">
+            <a:schemeClr val="accent1"/>
+          </a:fillRef>
+          <a:effectRef idx="0">
+            <a:schemeClr val="accent1"/>
+          </a:effectRef>
+          <a:fontRef idx="minor">
+            <a:schemeClr val="lt1"/>
+          </a:fontRef>
+        </p:style>
+        <p:txBody>
+          <a:bodyPr rtlCol="0" anchor="ctr"/>
+          <a:lstStyle/>
+          <a:p>
+            <a:pPr marL="0" marR="0" lvl="0" indent="0" algn="ctr" defTabSz="914400" rtl="0" eaLnBrk="1" fontAlgn="auto" latinLnBrk="0" hangingPunct="1">
+              <a:lnSpc>
+                <a:spcPct val="100000"/>
+              </a:lnSpc>
+              <a:spcBef>
+                <a:spcPts val="0"/>
+              </a:spcBef>
+              <a:spcAft>
+                <a:spcPts val="0"/>
+              </a:spcAft>
+              <a:buClrTx/>
+              <a:buSzTx/>
+              <a:buFontTx/>
+              <a:buNone/>
+              <a:tabLst/>
+              <a:defRPr/>
+            </a:pPr>
+            <a:endParaRPr kumimoji="0" lang="en-US" sz="1800" b="0" i="0" u="none" strike="noStrike" kern="1200" cap="none" spc="0" normalizeH="0" baseline="0" noProof="0">
+              <a:ln>
+                <a:noFill/>
+              </a:ln>
+              <a:solidFill>
+                <a:prstClr val="white"/>
+              </a:solidFill>
+              <a:effectLst/>
+              <a:uLnTx/>
+              <a:uFillTx/>
+              <a:latin typeface="Calibri" panose="020F0502020204030204"/>
+              <a:ea typeface="+mn-ea"/>
+              <a:cs typeface="+mn-cs"/>
+            </a:endParaRPr>
+          </a:p>
+        </p:txBody>
+      </p:sp>
+      <p:sp>
+        <p:nvSpPr>
+          <p:cNvPr id="12" name="Rectangle 11">
+            <a:extLst>
+              <a:ext uri="{FF2B5EF4-FFF2-40B4-BE49-F238E27FC236}">
+                <a16:creationId xmlns:a16="http://schemas.microsoft.com/office/drawing/2014/main" id="{79A6DB05-9FB5-4B07-8675-74C23D4FD89D}"/>
+              </a:ext>
+              <a:ext uri="{C183D7F6-B498-43B3-948B-1728B52AA6E4}">
+                <adec:decorative xmlns:adec="http://schemas.microsoft.com/office/drawing/2017/decorative" val="1"/>
+              </a:ext>
+            </a:extLst>
+          </p:cNvPr>
+          <p:cNvSpPr>
+            <a:spLocks noGrp="1" noRot="1" noChangeAspect="1" noMove="1" noResize="1" noEditPoints="1" noAdjustHandles="1" noChangeArrowheads="1" noChangeShapeType="1" noTextEdit="1"/>
+          </p:cNvSpPr>
+          <p:nvPr>
+            <p:extLst>
+              <p:ext uri="{386F3935-93C4-4BCD-93E2-E3B085C9AB24}">
+                <p16:designElem xmlns:p16="http://schemas.microsoft.com/office/powerpoint/2015/main" val="1"/>
+              </p:ext>
+            </p:extLst>
+          </p:nvPr>
+        </p:nvSpPr>
+        <p:spPr>
+          <a:xfrm>
+            <a:off x="498834" y="787352"/>
+            <a:ext cx="128016" cy="704088"/>
+          </a:xfrm>
+          <a:prstGeom prst="rect">
+            <a:avLst/>
+          </a:prstGeom>
+          <a:solidFill>
+            <a:schemeClr val="accent1"/>
+          </a:solidFill>
+          <a:ln>
+            <a:noFill/>
+          </a:ln>
+        </p:spPr>
+        <p:style>
+          <a:lnRef idx="2">
+            <a:schemeClr val="accent1">
+              <a:shade val="50000"/>
+            </a:schemeClr>
+          </a:lnRef>
+          <a:fillRef idx="1">
+            <a:schemeClr val="accent1"/>
+          </a:fillRef>
+          <a:effectRef idx="0">
+            <a:schemeClr val="accent1"/>
+          </a:effectRef>
+          <a:fontRef idx="minor">
+            <a:schemeClr val="lt1"/>
+          </a:fontRef>
+        </p:style>
+        <p:txBody>
+          <a:bodyPr rtlCol="0" anchor="ctr"/>
+          <a:lstStyle/>
+          <a:p>
+            <a:pPr marL="0" marR="0" lvl="0" indent="0" algn="ctr" defTabSz="914400" rtl="0" eaLnBrk="1" fontAlgn="auto" latinLnBrk="0" hangingPunct="1">
+              <a:lnSpc>
+                <a:spcPct val="100000"/>
+              </a:lnSpc>
+              <a:spcBef>
+                <a:spcPts val="0"/>
+              </a:spcBef>
+              <a:spcAft>
+                <a:spcPts val="0"/>
+              </a:spcAft>
+              <a:buClrTx/>
+              <a:buSzTx/>
+              <a:buFontTx/>
+              <a:buNone/>
+              <a:tabLst/>
+              <a:defRPr/>
+            </a:pPr>
+            <a:endParaRPr kumimoji="0" lang="en-US" sz="1800" b="0" i="0" u="none" strike="noStrike" kern="1200" cap="none" spc="0" normalizeH="0" baseline="0" noProof="0">
+              <a:ln>
+                <a:noFill/>
+              </a:ln>
+              <a:solidFill>
+                <a:prstClr val="white"/>
+              </a:solidFill>
+              <a:effectLst/>
+              <a:uLnTx/>
+              <a:uFillTx/>
+              <a:latin typeface="Calibri" panose="020F0502020204030204"/>
+              <a:ea typeface="+mn-ea"/>
+              <a:cs typeface="+mn-cs"/>
+            </a:endParaRPr>
+          </a:p>
+        </p:txBody>
+      </p:sp>
+      <p:sp useBgFill="1">
+        <p:nvSpPr>
+          <p:cNvPr id="14" name="Rectangle 13">
+            <a:extLst>
+              <a:ext uri="{FF2B5EF4-FFF2-40B4-BE49-F238E27FC236}">
+                <a16:creationId xmlns:a16="http://schemas.microsoft.com/office/drawing/2014/main" id="{B4CE5841-C184-4A70-A609-5FE4A50783C7}"/>
+              </a:ext>
+              <a:ext uri="{C183D7F6-B498-43B3-948B-1728B52AA6E4}">
+                <adec:decorative xmlns:adec="http://schemas.microsoft.com/office/drawing/2017/decorative" val="1"/>
+              </a:ext>
+            </a:extLst>
+          </p:cNvPr>
+          <p:cNvSpPr>
+            <a:spLocks noGrp="1" noRot="1" noChangeAspect="1" noMove="1" noResize="1" noEditPoints="1" noAdjustHandles="1" noChangeArrowheads="1" noChangeShapeType="1" noTextEdit="1"/>
+          </p:cNvSpPr>
+          <p:nvPr>
+            <p:extLst>
+              <p:ext uri="{386F3935-93C4-4BCD-93E2-E3B085C9AB24}">
+                <p16:designElem xmlns:p16="http://schemas.microsoft.com/office/powerpoint/2015/main" val="1"/>
+              </p:ext>
+            </p:extLst>
+          </p:nvPr>
+        </p:nvSpPr>
+        <p:spPr>
+          <a:xfrm>
+            <a:off x="0" y="0"/>
+            <a:ext cx="12192000" cy="6858000"/>
+          </a:xfrm>
+          <a:prstGeom prst="rect">
+            <a:avLst/>
+          </a:prstGeom>
+          <a:ln>
+            <a:noFill/>
+          </a:ln>
+        </p:spPr>
+        <p:style>
+          <a:lnRef idx="2">
+            <a:schemeClr val="accent1">
+              <a:shade val="50000"/>
+            </a:schemeClr>
+          </a:lnRef>
+          <a:fillRef idx="1">
+            <a:schemeClr val="accent1"/>
+          </a:fillRef>
+          <a:effectRef idx="0">
+            <a:schemeClr val="accent1"/>
+          </a:effectRef>
+          <a:fontRef idx="minor">
+            <a:schemeClr val="lt1"/>
+          </a:fontRef>
+        </p:style>
+        <p:txBody>
+          <a:bodyPr rtlCol="0" anchor="ctr"/>
+          <a:lstStyle/>
+          <a:p>
+            <a:pPr algn="ctr"/>
+            <a:endParaRPr lang="en-US"/>
+          </a:p>
+        </p:txBody>
+      </p:sp>
+      <p:sp>
+        <p:nvSpPr>
+          <p:cNvPr id="2" name="Title 1">
+            <a:extLst>
+              <a:ext uri="{FF2B5EF4-FFF2-40B4-BE49-F238E27FC236}">
+                <a16:creationId xmlns:a16="http://schemas.microsoft.com/office/drawing/2014/main" id="{077C3402-E8A5-442A-A114-A654D00FAAD5}"/>
+              </a:ext>
+            </a:extLst>
+          </p:cNvPr>
+          <p:cNvSpPr>
+            <a:spLocks noGrp="1"/>
+          </p:cNvSpPr>
+          <p:nvPr>
+            <p:ph type="ctrTitle"/>
+          </p:nvPr>
+        </p:nvSpPr>
+        <p:spPr>
+          <a:xfrm>
+            <a:off x="841248" y="1683169"/>
+            <a:ext cx="4068849" cy="4148586"/>
+          </a:xfrm>
+        </p:spPr>
+        <p:txBody>
+          <a:bodyPr vert="horz" lIns="91440" tIns="45720" rIns="91440" bIns="45720" rtlCol="0" anchor="t">
+            <a:normAutofit/>
+          </a:bodyPr>
+          <a:lstStyle/>
+          <a:p>
+            <a:r>
+              <a:rPr lang="en-US" sz="4800"/>
+              <a:t>References</a:t>
+            </a:r>
+          </a:p>
+        </p:txBody>
+      </p:sp>
+      <p:sp>
+        <p:nvSpPr>
+          <p:cNvPr id="3" name="Subtitle 2">
+            <a:extLst>
+              <a:ext uri="{FF2B5EF4-FFF2-40B4-BE49-F238E27FC236}">
+                <a16:creationId xmlns:a16="http://schemas.microsoft.com/office/drawing/2014/main" id="{D6C1463C-EFA6-4445-8576-EF8771A2DA69}"/>
+              </a:ext>
+            </a:extLst>
+          </p:cNvPr>
+          <p:cNvSpPr>
+            <a:spLocks noGrp="1"/>
+          </p:cNvSpPr>
+          <p:nvPr>
+            <p:ph type="subTitle" idx="1"/>
+          </p:nvPr>
+        </p:nvSpPr>
+        <p:spPr>
+          <a:xfrm>
+            <a:off x="5532504" y="1683170"/>
+            <a:ext cx="5818248" cy="4148585"/>
+          </a:xfrm>
+        </p:spPr>
+        <p:txBody>
+          <a:bodyPr vert="horz" lIns="91440" tIns="45720" rIns="91440" bIns="45720" rtlCol="0">
+            <a:normAutofit/>
+          </a:bodyPr>
+          <a:lstStyle/>
+          <a:p>
+            <a:pPr indent="-228600">
+              <a:lnSpc>
+                <a:spcPct val="100000"/>
+              </a:lnSpc>
+              <a:buFont typeface="Arial" panose="020B0604020202020204" pitchFamily="34" charset="0"/>
+              <a:buChar char="•"/>
+            </a:pPr>
+            <a:r>
+              <a:rPr lang="en-US" sz="2000" dirty="0">
+                <a:hlinkClick r:id="rId2"/>
+              </a:rPr>
+              <a:t>https://www.w3schools.com/python/python_ml_train_test.asp</a:t>
+            </a:r>
+            <a:endParaRPr lang="en-US" sz="2000" dirty="0"/>
+          </a:p>
+          <a:p>
+            <a:pPr indent="-228600">
+              <a:lnSpc>
+                <a:spcPct val="100000"/>
+              </a:lnSpc>
+              <a:buFont typeface="Arial" panose="020B0604020202020204" pitchFamily="34" charset="0"/>
+              <a:buChar char="•"/>
+            </a:pPr>
+            <a:r>
+              <a:rPr lang="en-US" sz="2000" dirty="0">
+                <a:hlinkClick r:id="rId3"/>
+              </a:rPr>
+              <a:t>https://scikit-learn.org/stable/auto_examples/svm/plot_svm_regression.html#sphx-glr-auto-examples-svm-plot-svm-regression-py</a:t>
+            </a:r>
+            <a:endParaRPr lang="en-US" sz="2000" dirty="0"/>
+          </a:p>
+          <a:p>
+            <a:pPr indent="-228600">
+              <a:lnSpc>
+                <a:spcPct val="100000"/>
+              </a:lnSpc>
+              <a:buFont typeface="Arial" panose="020B0604020202020204" pitchFamily="34" charset="0"/>
+              <a:buChar char="•"/>
+            </a:pPr>
+            <a:r>
+              <a:rPr lang="en-US" sz="2000" dirty="0">
+                <a:hlinkClick r:id="rId4"/>
+              </a:rPr>
+              <a:t>https://scikit-learn.org/stable/modules/generated/sklearn.preprocessing.LabelEncoder.html</a:t>
+            </a:r>
+            <a:endParaRPr lang="en-US" sz="2000" dirty="0"/>
+          </a:p>
+          <a:p>
+            <a:pPr indent="-228600">
+              <a:lnSpc>
+                <a:spcPct val="100000"/>
+              </a:lnSpc>
+              <a:buFont typeface="Arial" panose="020B0604020202020204" pitchFamily="34" charset="0"/>
+              <a:buChar char="•"/>
+            </a:pPr>
+            <a:r>
+              <a:rPr lang="en-US" sz="2000" dirty="0">
+                <a:hlinkClick r:id="rId5"/>
+              </a:rPr>
+              <a:t>https://scikit-learn.org/stable/modules/generated/sklearn.svm.SVC.html</a:t>
+            </a:r>
+            <a:endParaRPr lang="en-US" sz="2000" dirty="0"/>
+          </a:p>
+          <a:p>
+            <a:pPr indent="-228600">
+              <a:lnSpc>
+                <a:spcPct val="100000"/>
+              </a:lnSpc>
+              <a:buFont typeface="Arial" panose="020B0604020202020204" pitchFamily="34" charset="0"/>
+              <a:buChar char="•"/>
+            </a:pPr>
+            <a:endParaRPr lang="en-US" sz="2000" dirty="0"/>
+          </a:p>
+          <a:p>
+            <a:pPr indent="-228600">
+              <a:lnSpc>
+                <a:spcPct val="100000"/>
+              </a:lnSpc>
+              <a:buFont typeface="Arial" panose="020B0604020202020204" pitchFamily="34" charset="0"/>
+              <a:buChar char="•"/>
+            </a:pPr>
+            <a:endParaRPr lang="en-US" sz="2000" dirty="0"/>
+          </a:p>
+        </p:txBody>
+      </p:sp>
+      <p:sp>
+        <p:nvSpPr>
+          <p:cNvPr id="16" name="Rectangle 15">
+            <a:extLst>
+              <a:ext uri="{FF2B5EF4-FFF2-40B4-BE49-F238E27FC236}">
+                <a16:creationId xmlns:a16="http://schemas.microsoft.com/office/drawing/2014/main" id="{CD1AAA2C-FBBE-42AA-B869-31D524B7653F}"/>
+              </a:ext>
+              <a:ext uri="{C183D7F6-B498-43B3-948B-1728B52AA6E4}">
+                <adec:decorative xmlns:adec="http://schemas.microsoft.com/office/drawing/2017/decorative" val="1"/>
+              </a:ext>
+            </a:extLst>
+          </p:cNvPr>
+          <p:cNvSpPr>
+            <a:spLocks noGrp="1" noRot="1" noChangeAspect="1" noMove="1" noResize="1" noEditPoints="1" noAdjustHandles="1" noChangeArrowheads="1" noChangeShapeType="1" noTextEdit="1"/>
+          </p:cNvSpPr>
+          <p:nvPr>
+            <p:extLst>
+              <p:ext uri="{386F3935-93C4-4BCD-93E2-E3B085C9AB24}">
+                <p16:designElem xmlns:p16="http://schemas.microsoft.com/office/powerpoint/2015/main" val="1"/>
+              </p:ext>
+            </p:extLst>
+          </p:nvPr>
+        </p:nvSpPr>
+        <p:spPr>
+          <a:xfrm>
+            <a:off x="841248" y="6112341"/>
+            <a:ext cx="10506456" cy="18288"/>
+          </a:xfrm>
+          <a:prstGeom prst="rect">
+            <a:avLst/>
+          </a:prstGeom>
+          <a:solidFill>
+            <a:schemeClr val="tx2">
+              <a:lumMod val="25000"/>
+              <a:lumOff val="75000"/>
+            </a:schemeClr>
+          </a:solidFill>
+          <a:ln w="3175">
+            <a:noFill/>
+          </a:ln>
+          <a:effectLst/>
+        </p:spPr>
+        <p:style>
+          <a:lnRef idx="2">
+            <a:schemeClr val="accent1">
+              <a:shade val="50000"/>
+            </a:schemeClr>
+          </a:lnRef>
+          <a:fillRef idx="1">
+            <a:schemeClr val="accent1"/>
+          </a:fillRef>
+          <a:effectRef idx="0">
+            <a:schemeClr val="accent1"/>
+          </a:effectRef>
+          <a:fontRef idx="minor">
+            <a:schemeClr val="lt1"/>
+          </a:fontRef>
+        </p:style>
+        <p:txBody>
+          <a:bodyPr rtlCol="0" anchor="ctr"/>
+          <a:lstStyle/>
+          <a:p>
+            <a:pPr marL="0" marR="0" lvl="0" indent="0" algn="ctr" defTabSz="914400" rtl="0" eaLnBrk="1" fontAlgn="auto" latinLnBrk="0" hangingPunct="1">
+              <a:lnSpc>
+                <a:spcPct val="100000"/>
+              </a:lnSpc>
+              <a:spcBef>
+                <a:spcPts val="0"/>
+              </a:spcBef>
+              <a:spcAft>
+                <a:spcPts val="0"/>
+              </a:spcAft>
+              <a:buClrTx/>
+              <a:buSzTx/>
+              <a:buFontTx/>
+              <a:buNone/>
+              <a:tabLst/>
+              <a:defRPr/>
+            </a:pPr>
+            <a:endParaRPr kumimoji="0" lang="en-US" sz="1800" b="0" i="0" u="none" strike="noStrike" kern="1200" cap="none" spc="0" normalizeH="0" baseline="0" noProof="0">
+              <a:ln>
+                <a:noFill/>
+              </a:ln>
+              <a:solidFill>
+                <a:prstClr val="white"/>
+              </a:solidFill>
+              <a:effectLst/>
+              <a:uLnTx/>
+              <a:uFillTx/>
+              <a:latin typeface="Calibri" panose="020F0502020204030204"/>
+              <a:ea typeface="+mn-ea"/>
+              <a:cs typeface="+mn-cs"/>
+            </a:endParaRPr>
+          </a:p>
+        </p:txBody>
+      </p:sp>
+      <p:sp>
+        <p:nvSpPr>
+          <p:cNvPr id="18" name="Rectangle 17">
+            <a:extLst>
+              <a:ext uri="{FF2B5EF4-FFF2-40B4-BE49-F238E27FC236}">
+                <a16:creationId xmlns:a16="http://schemas.microsoft.com/office/drawing/2014/main" id="{5F937BBF-9326-4230-AB1B-F1795E350559}"/>
+              </a:ext>
+              <a:ext uri="{C183D7F6-B498-43B3-948B-1728B52AA6E4}">
+                <adec:decorative xmlns:adec="http://schemas.microsoft.com/office/drawing/2017/decorative" val="1"/>
+              </a:ext>
+            </a:extLst>
+          </p:cNvPr>
+          <p:cNvSpPr>
+            <a:spLocks noGrp="1" noRot="1" noChangeAspect="1" noMove="1" noResize="1" noEditPoints="1" noAdjustHandles="1" noChangeArrowheads="1" noChangeShapeType="1" noTextEdit="1"/>
+          </p:cNvSpPr>
+          <p:nvPr>
+            <p:extLst>
+              <p:ext uri="{386F3935-93C4-4BCD-93E2-E3B085C9AB24}">
+                <p16:designElem xmlns:p16="http://schemas.microsoft.com/office/powerpoint/2015/main" val="1"/>
+              </p:ext>
+            </p:extLst>
+          </p:nvPr>
+        </p:nvSpPr>
+        <p:spPr>
+          <a:xfrm rot="5400000">
+            <a:off x="2916936" y="4000284"/>
+            <a:ext cx="54864" cy="4206240"/>
+          </a:xfrm>
+          <a:prstGeom prst="rect">
+            <a:avLst/>
+          </a:prstGeom>
+          <a:solidFill>
+            <a:schemeClr val="accent1"/>
+          </a:solidFill>
+          <a:ln>
+            <a:noFill/>
+          </a:ln>
+        </p:spPr>
+        <p:style>
+          <a:lnRef idx="2">
+            <a:schemeClr val="accent1">
+              <a:shade val="50000"/>
+            </a:schemeClr>
+          </a:lnRef>
+          <a:fillRef idx="1">
+            <a:schemeClr val="accent1"/>
+          </a:fillRef>
+          <a:effectRef idx="0">
+            <a:schemeClr val="accent1"/>
+          </a:effectRef>
+          <a:fontRef idx="minor">
+            <a:schemeClr val="lt1"/>
+          </a:fontRef>
+        </p:style>
+        <p:txBody>
+          <a:bodyPr rtlCol="0" anchor="ctr"/>
+          <a:lstStyle/>
+          <a:p>
+            <a:pPr marL="0" marR="0" lvl="0" indent="0" algn="ctr" defTabSz="914400" rtl="0" eaLnBrk="1" fontAlgn="auto" latinLnBrk="0" hangingPunct="1">
+              <a:lnSpc>
+                <a:spcPct val="100000"/>
+              </a:lnSpc>
+              <a:spcBef>
+                <a:spcPts val="0"/>
+              </a:spcBef>
+              <a:spcAft>
+                <a:spcPts val="0"/>
+              </a:spcAft>
+              <a:buClrTx/>
+              <a:buSzTx/>
+              <a:buFontTx/>
+              <a:buNone/>
+              <a:tabLst/>
+              <a:defRPr/>
+            </a:pPr>
+            <a:endParaRPr kumimoji="0" lang="en-US" sz="1800" b="0" i="0" u="none" strike="noStrike" kern="1200" cap="none" spc="0" normalizeH="0" baseline="0" noProof="0">
+              <a:ln>
+                <a:noFill/>
+              </a:ln>
+              <a:solidFill>
+                <a:prstClr val="white"/>
+              </a:solidFill>
+              <a:effectLst/>
+              <a:uLnTx/>
+              <a:uFillTx/>
+              <a:latin typeface="Calibri" panose="020F0502020204030204"/>
+              <a:ea typeface="+mn-ea"/>
+              <a:cs typeface="+mn-cs"/>
+            </a:endParaRPr>
+          </a:p>
+        </p:txBody>
+      </p:sp>
+    </p:spTree>
+    <p:extLst>
+      <p:ext uri="{BB962C8B-B14F-4D97-AF65-F5344CB8AC3E}">
+        <p14:creationId xmlns:p14="http://schemas.microsoft.com/office/powerpoint/2010/main" val="3415956645"/>
+      </p:ext>
+    </p:extLst>
+  </p:cSld>
+  <p:clrMapOvr>
+    <a:masterClrMapping/>
+  </p:clrMapOvr>
+</p:sld>
+</file>
+
+<file path=ppt/slides/slide12.xml><?xml version="1.0" encoding="utf-8"?>
+<p:sld xmlns:a="http://schemas.openxmlformats.org/drawingml/2006/main" xmlns:r="http://schemas.openxmlformats.org/officeDocument/2006/relationships" xmlns:p="http://schemas.openxmlformats.org/presentationml/2006/main">
+  <p:cSld>
+    <p:bg>
+      <p:bgPr>
+        <a:solidFill>
+          <a:schemeClr val="bg1"/>
+        </a:solidFill>
+        <a:effectLst/>
+      </p:bgPr>
+    </p:bg>
+    <p:spTree>
+      <p:nvGrpSpPr>
+        <p:cNvPr id="1" name=""/>
+        <p:cNvGrpSpPr/>
+        <p:nvPr/>
+      </p:nvGrpSpPr>
+      <p:grpSpPr>
+        <a:xfrm>
+          <a:off x="0" y="0"/>
+          <a:ext cx="0" cy="0"/>
+          <a:chOff x="0" y="0"/>
+          <a:chExt cx="0" cy="0"/>
+        </a:xfrm>
+      </p:grpSpPr>
+      <p:sp useBgFill="1">
+        <p:nvSpPr>
+          <p:cNvPr id="9" name="Rectangle 8">
+            <a:extLst>
+              <a:ext uri="{FF2B5EF4-FFF2-40B4-BE49-F238E27FC236}">
                 <a16:creationId xmlns:a16="http://schemas.microsoft.com/office/drawing/2014/main" id="{68AF5748-FED8-45BA-8631-26D1D10F3246}"/>
               </a:ext>
               <a:ext uri="{C183D7F6-B498-43B3-948B-1728B52AA6E4}">
@@ -5990,7 +7041,7 @@
         </p:spPr>
         <p:txBody>
           <a:bodyPr anchor="ctr">
-            <a:normAutofit/>
+            <a:normAutofit lnSpcReduction="10000"/>
           </a:bodyPr>
           <a:lstStyle/>
           <a:p>
@@ -6003,7 +7054,6 @@
               <a:rPr lang="en-US" sz="2000" dirty="0"/>
               <a:t>Data has divided into Train(80%), Test(20%)</a:t>
             </a:r>
-            <a:endParaRPr lang="en-US" sz="2000"/>
           </a:p>
           <a:p>
             <a:pPr>
@@ -6015,7 +7065,6 @@
               <a:rPr lang="en-US" sz="2000" dirty="0"/>
               <a:t>Data is classified into Numerical, categorical</a:t>
             </a:r>
-            <a:endParaRPr lang="en-US" sz="2000"/>
           </a:p>
           <a:p>
             <a:pPr>
@@ -6027,7 +7076,6 @@
               <a:rPr lang="en-US" sz="2000" dirty="0"/>
               <a:t>Filtered Data based on correlation values &gt;0.3 and &lt;-0.3</a:t>
             </a:r>
-            <a:endParaRPr lang="en-US" sz="2000"/>
           </a:p>
           <a:p>
             <a:pPr>
@@ -6039,7 +7087,6 @@
               <a:rPr lang="en-US" sz="2000" dirty="0"/>
               <a:t>No Null values found in data, so we didn’t use mean, median or mode to fill the NULL values</a:t>
             </a:r>
-            <a:endParaRPr lang="en-US" sz="2000"/>
           </a:p>
           <a:p>
             <a:pPr>
@@ -6051,7 +7098,6 @@
               <a:rPr lang="en-US" sz="2000" dirty="0"/>
               <a:t>Implemented Prediction on:</a:t>
             </a:r>
-            <a:endParaRPr lang="en-US" sz="2000"/>
           </a:p>
           <a:p>
             <a:pPr lvl="1">
@@ -6063,7 +7109,6 @@
               <a:rPr lang="en-US" sz="2000" b="1" dirty="0"/>
               <a:t>Black Persons In Poverty</a:t>
             </a:r>
-            <a:endParaRPr lang="en-US" sz="2000" b="1"/>
           </a:p>
           <a:p>
             <a:pPr lvl="1">
@@ -6075,7 +7120,6 @@
               <a:rPr lang="en-US" sz="2000" b="1" dirty="0"/>
               <a:t>Households With Income Less Than $10,000</a:t>
             </a:r>
-            <a:endParaRPr lang="en-US" sz="2000" b="1"/>
           </a:p>
           <a:p>
             <a:pPr lvl="1">
@@ -6083,7 +7127,10 @@
                 <a:spcPct val="100000"/>
               </a:lnSpc>
             </a:pPr>
-            <a:endParaRPr lang="en-US" sz="2000" b="1"/>
+            <a:r>
+              <a:rPr lang="en-US" sz="2000" b="1" dirty="0"/>
+              <a:t>Minority</a:t>
+            </a:r>
           </a:p>
           <a:p>
             <a:pPr lvl="1">
@@ -6091,7 +7138,15 @@
                 <a:spcPct val="100000"/>
               </a:lnSpc>
             </a:pPr>
-            <a:endParaRPr lang="en-US" sz="2000" b="1"/>
+            <a:endParaRPr lang="en-US" sz="2000" b="1" dirty="0"/>
+          </a:p>
+          <a:p>
+            <a:pPr lvl="1">
+              <a:lnSpc>
+                <a:spcPct val="100000"/>
+              </a:lnSpc>
+            </a:pPr>
+            <a:endParaRPr lang="en-US" sz="2000" b="1" dirty="0"/>
           </a:p>
           <a:p>
             <a:pPr marL="457200" lvl="1" indent="0">
@@ -6104,7 +7159,6 @@
               <a:rPr lang="en-US" sz="2000" dirty="0"/>
               <a:t> </a:t>
             </a:r>
-            <a:endParaRPr lang="en-US" sz="2000"/>
           </a:p>
         </p:txBody>
       </p:sp>
@@ -8117,10 +9171,10 @@
       </p:grpSpPr>
       <p:sp useBgFill="1">
         <p:nvSpPr>
-          <p:cNvPr id="8" name="Rectangle 7">
+          <p:cNvPr id="9" name="Rectangle 8">
             <a:extLst>
               <a:ext uri="{FF2B5EF4-FFF2-40B4-BE49-F238E27FC236}">
-                <a16:creationId xmlns:a16="http://schemas.microsoft.com/office/drawing/2014/main" id="{2D6FBB9D-1CAA-4D05-AB33-BABDFE17B843}"/>
+                <a16:creationId xmlns:a16="http://schemas.microsoft.com/office/drawing/2014/main" id="{726908CC-6AC4-4222-8250-B90B6072E8AC}"/>
               </a:ext>
               <a:ext uri="{C183D7F6-B498-43B3-948B-1728B52AA6E4}">
                 <adec:decorative xmlns:adec="http://schemas.microsoft.com/office/drawing/2017/decorative" val="1"/>
@@ -8140,13 +9194,76 @@
         </p:nvSpPr>
         <p:spPr>
           <a:xfrm>
-            <a:off x="558209" y="0"/>
-            <a:ext cx="11167447" cy="2018806"/>
+            <a:off x="0" y="0"/>
+            <a:ext cx="12192000" cy="6858000"/>
           </a:xfrm>
           <a:prstGeom prst="rect">
             <a:avLst/>
           </a:prstGeom>
-          <a:ln w="9525">
+          <a:ln>
+            <a:noFill/>
+          </a:ln>
+        </p:spPr>
+        <p:style>
+          <a:lnRef idx="2">
+            <a:schemeClr val="accent1">
+              <a:shade val="50000"/>
+            </a:schemeClr>
+          </a:lnRef>
+          <a:fillRef idx="1">
+            <a:schemeClr val="accent1"/>
+          </a:fillRef>
+          <a:effectRef idx="0">
+            <a:schemeClr val="accent1"/>
+          </a:effectRef>
+          <a:fontRef idx="minor">
+            <a:schemeClr val="lt1"/>
+          </a:fontRef>
+        </p:style>
+        <p:txBody>
+          <a:bodyPr rtlCol="0" anchor="ctr"/>
+          <a:lstStyle/>
+          <a:p>
+            <a:pPr algn="ctr"/>
+            <a:endParaRPr lang="en-US"/>
+          </a:p>
+        </p:txBody>
+      </p:sp>
+      <p:sp>
+        <p:nvSpPr>
+          <p:cNvPr id="11" name="Rectangle 10">
+            <a:extLst>
+              <a:ext uri="{FF2B5EF4-FFF2-40B4-BE49-F238E27FC236}">
+                <a16:creationId xmlns:a16="http://schemas.microsoft.com/office/drawing/2014/main" id="{F2F606D8-696E-4B76-BB10-43672AA1475A}"/>
+              </a:ext>
+              <a:ext uri="{C183D7F6-B498-43B3-948B-1728B52AA6E4}">
+                <adec:decorative xmlns:adec="http://schemas.microsoft.com/office/drawing/2017/decorative" val="1"/>
+              </a:ext>
+            </a:extLst>
+          </p:cNvPr>
+          <p:cNvSpPr>
+            <a:spLocks noGrp="1" noRot="1" noChangeAspect="1" noMove="1" noResize="1" noEditPoints="1" noAdjustHandles="1" noChangeArrowheads="1" noChangeShapeType="1" noTextEdit="1"/>
+          </p:cNvSpPr>
+          <p:nvPr>
+            <p:extLst>
+              <p:ext uri="{386F3935-93C4-4BCD-93E2-E3B085C9AB24}">
+                <p16:designElem xmlns:p16="http://schemas.microsoft.com/office/powerpoint/2015/main" val="1"/>
+              </p:ext>
+            </p:extLst>
+          </p:nvPr>
+        </p:nvSpPr>
+        <p:spPr>
+          <a:xfrm>
+            <a:off x="352751" y="302429"/>
+            <a:ext cx="11550506" cy="6053922"/>
+          </a:xfrm>
+          <a:prstGeom prst="rect">
+            <a:avLst/>
+          </a:prstGeom>
+          <a:solidFill>
+            <a:schemeClr val="bg1"/>
+          </a:solidFill>
+          <a:ln w="12700">
             <a:solidFill>
               <a:schemeClr val="tx2">
                 <a:lumMod val="10000"/>
@@ -8156,7 +9273,7 @@
           </a:ln>
           <a:effectLst>
             <a:outerShdw blurRad="50800" dist="38100" dir="2700000" algn="tl" rotWithShape="0">
-              <a:schemeClr val="bg1">
+              <a:schemeClr val="bg2">
                 <a:lumMod val="85000"/>
                 <a:alpha val="30000"/>
               </a:schemeClr>
@@ -8217,12 +9334,43 @@
           </a:p>
         </p:txBody>
       </p:sp>
-      <p:sp useBgFill="1">
-        <p:nvSpPr>
-          <p:cNvPr id="10" name="Rectangle 9">
+      <p:pic>
+        <p:nvPicPr>
+          <p:cNvPr id="4" name="Content Placeholder 3">
             <a:extLst>
               <a:ext uri="{FF2B5EF4-FFF2-40B4-BE49-F238E27FC236}">
-                <a16:creationId xmlns:a16="http://schemas.microsoft.com/office/drawing/2014/main" id="{04727B71-B4B6-4823-80A1-68C40B475118}"/>
+                <a16:creationId xmlns:a16="http://schemas.microsoft.com/office/drawing/2014/main" id="{619CCBF4-163A-4265-A39B-CB55DA696654}"/>
+              </a:ext>
+            </a:extLst>
+          </p:cNvPr>
+          <p:cNvPicPr>
+            <a:picLocks noGrp="1" noChangeAspect="1"/>
+          </p:cNvPicPr>
+          <p:nvPr>
+            <p:ph idx="1"/>
+          </p:nvPr>
+        </p:nvPicPr>
+        <p:blipFill rotWithShape="1">
+          <a:blip r:embed="rId2"/>
+          <a:srcRect r="-1" b="6821"/>
+          <a:stretch/>
+        </p:blipFill>
+        <p:spPr>
+          <a:xfrm>
+            <a:off x="352751" y="302429"/>
+            <a:ext cx="11550506" cy="6053920"/>
+          </a:xfrm>
+          <a:prstGeom prst="rect">
+            <a:avLst/>
+          </a:prstGeom>
+        </p:spPr>
+      </p:pic>
+      <p:sp>
+        <p:nvSpPr>
+          <p:cNvPr id="13" name="Rectangle 12">
+            <a:extLst>
+              <a:ext uri="{FF2B5EF4-FFF2-40B4-BE49-F238E27FC236}">
+                <a16:creationId xmlns:a16="http://schemas.microsoft.com/office/drawing/2014/main" id="{3ABF1881-5AFD-48F9-979A-19EE2FE30A33}"/>
               </a:ext>
               <a:ext uri="{C183D7F6-B498-43B3-948B-1728B52AA6E4}">
                 <adec:decorative xmlns:adec="http://schemas.microsoft.com/office/drawing/2017/decorative" val="1"/>
@@ -8241,495 +9389,9 @@
           </p:nvPr>
         </p:nvSpPr>
         <p:spPr>
-          <a:xfrm>
-            <a:off x="566928" y="0"/>
-            <a:ext cx="11155680" cy="2011680"/>
-          </a:xfrm>
-          <a:prstGeom prst="rect">
-            <a:avLst/>
-          </a:prstGeom>
-          <a:ln w="9525">
-            <a:noFill/>
-          </a:ln>
-          <a:effectLst/>
-        </p:spPr>
-        <p:style>
-          <a:lnRef idx="2">
-            <a:schemeClr val="accent1">
-              <a:shade val="50000"/>
-            </a:schemeClr>
-          </a:lnRef>
-          <a:fillRef idx="1">
-            <a:schemeClr val="accent1"/>
-          </a:fillRef>
-          <a:effectRef idx="0">
-            <a:schemeClr val="accent1"/>
-          </a:effectRef>
-          <a:fontRef idx="minor">
-            <a:schemeClr val="lt1"/>
-          </a:fontRef>
-        </p:style>
-        <p:txBody>
-          <a:bodyPr rtlCol="0" anchor="ctr"/>
-          <a:lstStyle/>
-          <a:p>
-            <a:pPr marL="0" marR="0" lvl="0" indent="0" algn="ctr" defTabSz="914400" rtl="0" eaLnBrk="1" fontAlgn="auto" latinLnBrk="0" hangingPunct="1">
-              <a:lnSpc>
-                <a:spcPct val="100000"/>
-              </a:lnSpc>
-              <a:spcBef>
-                <a:spcPts val="0"/>
-              </a:spcBef>
-              <a:spcAft>
-                <a:spcPts val="0"/>
-              </a:spcAft>
-              <a:buClrTx/>
-              <a:buSzTx/>
-              <a:buFontTx/>
-              <a:buNone/>
-              <a:tabLst/>
-              <a:defRPr/>
-            </a:pPr>
-            <a:endParaRPr kumimoji="0" lang="en-US" sz="1800" b="0" i="0" u="none" strike="noStrike" kern="1200" cap="none" spc="0" normalizeH="0" baseline="0" noProof="0">
-              <a:ln>
-                <a:noFill/>
-              </a:ln>
-              <a:solidFill>
-                <a:prstClr val="white"/>
-              </a:solidFill>
-              <a:effectLst/>
-              <a:uLnTx/>
-              <a:uFillTx/>
-              <a:latin typeface="Calibri" panose="020F0502020204030204"/>
-              <a:ea typeface="+mn-ea"/>
-              <a:cs typeface="+mn-cs"/>
-            </a:endParaRPr>
-          </a:p>
-        </p:txBody>
-      </p:sp>
-      <p:sp>
-        <p:nvSpPr>
-          <p:cNvPr id="12" name="Rectangle 11">
-            <a:extLst>
-              <a:ext uri="{FF2B5EF4-FFF2-40B4-BE49-F238E27FC236}">
-                <a16:creationId xmlns:a16="http://schemas.microsoft.com/office/drawing/2014/main" id="{79A6DB05-9FB5-4B07-8675-74C23D4FD89D}"/>
-              </a:ext>
-              <a:ext uri="{C183D7F6-B498-43B3-948B-1728B52AA6E4}">
-                <adec:decorative xmlns:adec="http://schemas.microsoft.com/office/drawing/2017/decorative" val="1"/>
-              </a:ext>
-            </a:extLst>
-          </p:cNvPr>
-          <p:cNvSpPr>
-            <a:spLocks noGrp="1" noRot="1" noChangeAspect="1" noMove="1" noResize="1" noEditPoints="1" noAdjustHandles="1" noChangeArrowheads="1" noChangeShapeType="1" noTextEdit="1"/>
-          </p:cNvSpPr>
-          <p:nvPr>
-            <p:extLst>
-              <p:ext uri="{386F3935-93C4-4BCD-93E2-E3B085C9AB24}">
-                <p16:designElem xmlns:p16="http://schemas.microsoft.com/office/powerpoint/2015/main" val="1"/>
-              </p:ext>
-            </p:extLst>
-          </p:nvPr>
-        </p:nvSpPr>
-        <p:spPr>
-          <a:xfrm>
-            <a:off x="498834" y="787352"/>
-            <a:ext cx="128016" cy="704088"/>
-          </a:xfrm>
-          <a:prstGeom prst="rect">
-            <a:avLst/>
-          </a:prstGeom>
-          <a:solidFill>
-            <a:schemeClr val="accent1"/>
-          </a:solidFill>
-          <a:ln>
-            <a:noFill/>
-          </a:ln>
-        </p:spPr>
-        <p:style>
-          <a:lnRef idx="2">
-            <a:schemeClr val="accent1">
-              <a:shade val="50000"/>
-            </a:schemeClr>
-          </a:lnRef>
-          <a:fillRef idx="1">
-            <a:schemeClr val="accent1"/>
-          </a:fillRef>
-          <a:effectRef idx="0">
-            <a:schemeClr val="accent1"/>
-          </a:effectRef>
-          <a:fontRef idx="minor">
-            <a:schemeClr val="lt1"/>
-          </a:fontRef>
-        </p:style>
-        <p:txBody>
-          <a:bodyPr rtlCol="0" anchor="ctr"/>
-          <a:lstStyle/>
-          <a:p>
-            <a:pPr marL="0" marR="0" lvl="0" indent="0" algn="ctr" defTabSz="914400" rtl="0" eaLnBrk="1" fontAlgn="auto" latinLnBrk="0" hangingPunct="1">
-              <a:lnSpc>
-                <a:spcPct val="100000"/>
-              </a:lnSpc>
-              <a:spcBef>
-                <a:spcPts val="0"/>
-              </a:spcBef>
-              <a:spcAft>
-                <a:spcPts val="0"/>
-              </a:spcAft>
-              <a:buClrTx/>
-              <a:buSzTx/>
-              <a:buFontTx/>
-              <a:buNone/>
-              <a:tabLst/>
-              <a:defRPr/>
-            </a:pPr>
-            <a:endParaRPr kumimoji="0" lang="en-US" sz="1800" b="0" i="0" u="none" strike="noStrike" kern="1200" cap="none" spc="0" normalizeH="0" baseline="0" noProof="0">
-              <a:ln>
-                <a:noFill/>
-              </a:ln>
-              <a:solidFill>
-                <a:prstClr val="white"/>
-              </a:solidFill>
-              <a:effectLst/>
-              <a:uLnTx/>
-              <a:uFillTx/>
-              <a:latin typeface="Calibri" panose="020F0502020204030204"/>
-              <a:ea typeface="+mn-ea"/>
-              <a:cs typeface="+mn-cs"/>
-            </a:endParaRPr>
-          </a:p>
-        </p:txBody>
-      </p:sp>
-      <p:sp useBgFill="1">
-        <p:nvSpPr>
-          <p:cNvPr id="14" name="Rectangle 13">
-            <a:extLst>
-              <a:ext uri="{FF2B5EF4-FFF2-40B4-BE49-F238E27FC236}">
-                <a16:creationId xmlns:a16="http://schemas.microsoft.com/office/drawing/2014/main" id="{B4CE5841-C184-4A70-A609-5FE4A50783C7}"/>
-              </a:ext>
-              <a:ext uri="{C183D7F6-B498-43B3-948B-1728B52AA6E4}">
-                <adec:decorative xmlns:adec="http://schemas.microsoft.com/office/drawing/2017/decorative" val="1"/>
-              </a:ext>
-            </a:extLst>
-          </p:cNvPr>
-          <p:cNvSpPr>
-            <a:spLocks noGrp="1" noRot="1" noChangeAspect="1" noMove="1" noResize="1" noEditPoints="1" noAdjustHandles="1" noChangeArrowheads="1" noChangeShapeType="1" noTextEdit="1"/>
-          </p:cNvSpPr>
-          <p:nvPr>
-            <p:extLst>
-              <p:ext uri="{386F3935-93C4-4BCD-93E2-E3B085C9AB24}">
-                <p16:designElem xmlns:p16="http://schemas.microsoft.com/office/powerpoint/2015/main" val="1"/>
-              </p:ext>
-            </p:extLst>
-          </p:nvPr>
-        </p:nvSpPr>
-        <p:spPr>
-          <a:xfrm>
-            <a:off x="0" y="0"/>
-            <a:ext cx="12192000" cy="6858000"/>
-          </a:xfrm>
-          <a:prstGeom prst="rect">
-            <a:avLst/>
-          </a:prstGeom>
-          <a:ln>
-            <a:noFill/>
-          </a:ln>
-        </p:spPr>
-        <p:style>
-          <a:lnRef idx="2">
-            <a:schemeClr val="accent1">
-              <a:shade val="50000"/>
-            </a:schemeClr>
-          </a:lnRef>
-          <a:fillRef idx="1">
-            <a:schemeClr val="accent1"/>
-          </a:fillRef>
-          <a:effectRef idx="0">
-            <a:schemeClr val="accent1"/>
-          </a:effectRef>
-          <a:fontRef idx="minor">
-            <a:schemeClr val="lt1"/>
-          </a:fontRef>
-        </p:style>
-        <p:txBody>
-          <a:bodyPr rtlCol="0" anchor="ctr"/>
-          <a:lstStyle/>
-          <a:p>
-            <a:pPr algn="ctr"/>
-            <a:endParaRPr lang="en-US"/>
-          </a:p>
-        </p:txBody>
-      </p:sp>
-      <p:sp>
-        <p:nvSpPr>
-          <p:cNvPr id="2" name="Title 1">
-            <a:extLst>
-              <a:ext uri="{FF2B5EF4-FFF2-40B4-BE49-F238E27FC236}">
-                <a16:creationId xmlns:a16="http://schemas.microsoft.com/office/drawing/2014/main" id="{077C3402-E8A5-442A-A114-A654D00FAAD5}"/>
-              </a:ext>
-            </a:extLst>
-          </p:cNvPr>
-          <p:cNvSpPr>
-            <a:spLocks noGrp="1"/>
-          </p:cNvSpPr>
-          <p:nvPr>
-            <p:ph type="ctrTitle"/>
-          </p:nvPr>
-        </p:nvSpPr>
-        <p:spPr>
-          <a:xfrm>
-            <a:off x="841248" y="1683169"/>
-            <a:ext cx="4068849" cy="4148586"/>
-          </a:xfrm>
-        </p:spPr>
-        <p:txBody>
-          <a:bodyPr vert="horz" lIns="91440" tIns="45720" rIns="91440" bIns="45720" rtlCol="0" anchor="t">
-            <a:normAutofit/>
-          </a:bodyPr>
-          <a:lstStyle/>
-          <a:p>
-            <a:r>
-              <a:rPr lang="en-US" sz="4800"/>
-              <a:t>References</a:t>
-            </a:r>
-          </a:p>
-        </p:txBody>
-      </p:sp>
-      <p:sp>
-        <p:nvSpPr>
-          <p:cNvPr id="3" name="Subtitle 2">
-            <a:extLst>
-              <a:ext uri="{FF2B5EF4-FFF2-40B4-BE49-F238E27FC236}">
-                <a16:creationId xmlns:a16="http://schemas.microsoft.com/office/drawing/2014/main" id="{D6C1463C-EFA6-4445-8576-EF8771A2DA69}"/>
-              </a:ext>
-            </a:extLst>
-          </p:cNvPr>
-          <p:cNvSpPr>
-            <a:spLocks noGrp="1"/>
-          </p:cNvSpPr>
-          <p:nvPr>
-            <p:ph type="subTitle" idx="1"/>
-          </p:nvPr>
-        </p:nvSpPr>
-        <p:spPr>
-          <a:xfrm>
-            <a:off x="5532504" y="1683170"/>
-            <a:ext cx="5818248" cy="4148585"/>
-          </a:xfrm>
-        </p:spPr>
-        <p:txBody>
-          <a:bodyPr vert="horz" lIns="91440" tIns="45720" rIns="91440" bIns="45720" rtlCol="0">
-            <a:normAutofit/>
-          </a:bodyPr>
-          <a:lstStyle/>
-          <a:p>
-            <a:pPr indent="-228600">
-              <a:lnSpc>
-                <a:spcPct val="100000"/>
-              </a:lnSpc>
-              <a:buFont typeface="Arial" panose="020B0604020202020204" pitchFamily="34" charset="0"/>
-              <a:buChar char="•"/>
-            </a:pPr>
-            <a:r>
-              <a:rPr lang="en-US" sz="2000" dirty="0">
-                <a:hlinkClick r:id="rId2"/>
-              </a:rPr>
-              <a:t>https://www.w3schools.com/python/python_ml_train_test.asp</a:t>
-            </a:r>
-            <a:endParaRPr lang="en-US" sz="2000" dirty="0"/>
-          </a:p>
-          <a:p>
-            <a:pPr indent="-228600">
-              <a:lnSpc>
-                <a:spcPct val="100000"/>
-              </a:lnSpc>
-              <a:buFont typeface="Arial" panose="020B0604020202020204" pitchFamily="34" charset="0"/>
-              <a:buChar char="•"/>
-            </a:pPr>
-            <a:r>
-              <a:rPr lang="en-US" sz="2000" dirty="0">
-                <a:hlinkClick r:id="rId3"/>
-              </a:rPr>
-              <a:t>https://scikit-learn.org/stable/auto_examples/svm/plot_svm_regression.html#sphx-glr-auto-examples-svm-plot-svm-regression-py</a:t>
-            </a:r>
-            <a:endParaRPr lang="en-US" sz="2000" dirty="0"/>
-          </a:p>
-          <a:p>
-            <a:pPr indent="-228600">
-              <a:lnSpc>
-                <a:spcPct val="100000"/>
-              </a:lnSpc>
-              <a:buFont typeface="Arial" panose="020B0604020202020204" pitchFamily="34" charset="0"/>
-              <a:buChar char="•"/>
-            </a:pPr>
-            <a:r>
-              <a:rPr lang="en-US" sz="2000" dirty="0">
-                <a:hlinkClick r:id="rId4"/>
-              </a:rPr>
-              <a:t>https://scikit-learn.org/stable/modules/generated/sklearn.preprocessing.LabelEncoder.html</a:t>
-            </a:r>
-            <a:endParaRPr lang="en-US" sz="2000" dirty="0"/>
-          </a:p>
-          <a:p>
-            <a:pPr indent="-228600">
-              <a:lnSpc>
-                <a:spcPct val="100000"/>
-              </a:lnSpc>
-              <a:buFont typeface="Arial" panose="020B0604020202020204" pitchFamily="34" charset="0"/>
-              <a:buChar char="•"/>
-            </a:pPr>
-            <a:r>
-              <a:rPr lang="en-US" sz="2000" dirty="0">
-                <a:hlinkClick r:id="rId5"/>
-              </a:rPr>
-              <a:t>https://scikit-learn.org/stable/modules/generated/sklearn.svm.SVC.html</a:t>
-            </a:r>
-            <a:endParaRPr lang="en-US" sz="2000" dirty="0"/>
-          </a:p>
-          <a:p>
-            <a:pPr indent="-228600">
-              <a:lnSpc>
-                <a:spcPct val="100000"/>
-              </a:lnSpc>
-              <a:buFont typeface="Arial" panose="020B0604020202020204" pitchFamily="34" charset="0"/>
-              <a:buChar char="•"/>
-            </a:pPr>
-            <a:endParaRPr lang="en-US" sz="2000" dirty="0"/>
-          </a:p>
-          <a:p>
-            <a:pPr indent="-228600">
-              <a:lnSpc>
-                <a:spcPct val="100000"/>
-              </a:lnSpc>
-              <a:buFont typeface="Arial" panose="020B0604020202020204" pitchFamily="34" charset="0"/>
-              <a:buChar char="•"/>
-            </a:pPr>
-            <a:endParaRPr lang="en-US" sz="2000" dirty="0"/>
-          </a:p>
-        </p:txBody>
-      </p:sp>
-      <p:sp>
-        <p:nvSpPr>
-          <p:cNvPr id="16" name="Rectangle 15">
-            <a:extLst>
-              <a:ext uri="{FF2B5EF4-FFF2-40B4-BE49-F238E27FC236}">
-                <a16:creationId xmlns:a16="http://schemas.microsoft.com/office/drawing/2014/main" id="{CD1AAA2C-FBBE-42AA-B869-31D524B7653F}"/>
-              </a:ext>
-              <a:ext uri="{C183D7F6-B498-43B3-948B-1728B52AA6E4}">
-                <adec:decorative xmlns:adec="http://schemas.microsoft.com/office/drawing/2017/decorative" val="1"/>
-              </a:ext>
-            </a:extLst>
-          </p:cNvPr>
-          <p:cNvSpPr>
-            <a:spLocks noGrp="1" noRot="1" noChangeAspect="1" noMove="1" noResize="1" noEditPoints="1" noAdjustHandles="1" noChangeArrowheads="1" noChangeShapeType="1" noTextEdit="1"/>
-          </p:cNvSpPr>
-          <p:nvPr>
-            <p:extLst>
-              <p:ext uri="{386F3935-93C4-4BCD-93E2-E3B085C9AB24}">
-                <p16:designElem xmlns:p16="http://schemas.microsoft.com/office/powerpoint/2015/main" val="1"/>
-              </p:ext>
-            </p:extLst>
-          </p:nvPr>
-        </p:nvSpPr>
-        <p:spPr>
-          <a:xfrm>
-            <a:off x="841248" y="6112341"/>
-            <a:ext cx="10506456" cy="18288"/>
-          </a:xfrm>
-          <a:prstGeom prst="rect">
-            <a:avLst/>
-          </a:prstGeom>
-          <a:solidFill>
-            <a:schemeClr val="tx2">
-              <a:lumMod val="25000"/>
-              <a:lumOff val="75000"/>
-            </a:schemeClr>
-          </a:solidFill>
-          <a:ln w="3175">
-            <a:noFill/>
-          </a:ln>
-          <a:effectLst/>
-        </p:spPr>
-        <p:style>
-          <a:lnRef idx="2">
-            <a:schemeClr val="accent1">
-              <a:shade val="50000"/>
-            </a:schemeClr>
-          </a:lnRef>
-          <a:fillRef idx="1">
-            <a:schemeClr val="accent1"/>
-          </a:fillRef>
-          <a:effectRef idx="0">
-            <a:schemeClr val="accent1"/>
-          </a:effectRef>
-          <a:fontRef idx="minor">
-            <a:schemeClr val="lt1"/>
-          </a:fontRef>
-        </p:style>
-        <p:txBody>
-          <a:bodyPr rtlCol="0" anchor="ctr"/>
-          <a:lstStyle/>
-          <a:p>
-            <a:pPr marL="0" marR="0" lvl="0" indent="0" algn="ctr" defTabSz="914400" rtl="0" eaLnBrk="1" fontAlgn="auto" latinLnBrk="0" hangingPunct="1">
-              <a:lnSpc>
-                <a:spcPct val="100000"/>
-              </a:lnSpc>
-              <a:spcBef>
-                <a:spcPts val="0"/>
-              </a:spcBef>
-              <a:spcAft>
-                <a:spcPts val="0"/>
-              </a:spcAft>
-              <a:buClrTx/>
-              <a:buSzTx/>
-              <a:buFontTx/>
-              <a:buNone/>
-              <a:tabLst/>
-              <a:defRPr/>
-            </a:pPr>
-            <a:endParaRPr kumimoji="0" lang="en-US" sz="1800" b="0" i="0" u="none" strike="noStrike" kern="1200" cap="none" spc="0" normalizeH="0" baseline="0" noProof="0">
-              <a:ln>
-                <a:noFill/>
-              </a:ln>
-              <a:solidFill>
-                <a:prstClr val="white"/>
-              </a:solidFill>
-              <a:effectLst/>
-              <a:uLnTx/>
-              <a:uFillTx/>
-              <a:latin typeface="Calibri" panose="020F0502020204030204"/>
-              <a:ea typeface="+mn-ea"/>
-              <a:cs typeface="+mn-cs"/>
-            </a:endParaRPr>
-          </a:p>
-        </p:txBody>
-      </p:sp>
-      <p:sp>
-        <p:nvSpPr>
-          <p:cNvPr id="18" name="Rectangle 17">
-            <a:extLst>
-              <a:ext uri="{FF2B5EF4-FFF2-40B4-BE49-F238E27FC236}">
-                <a16:creationId xmlns:a16="http://schemas.microsoft.com/office/drawing/2014/main" id="{5F937BBF-9326-4230-AB1B-F1795E350559}"/>
-              </a:ext>
-              <a:ext uri="{C183D7F6-B498-43B3-948B-1728B52AA6E4}">
-                <adec:decorative xmlns:adec="http://schemas.microsoft.com/office/drawing/2017/decorative" val="1"/>
-              </a:ext>
-            </a:extLst>
-          </p:cNvPr>
-          <p:cNvSpPr>
-            <a:spLocks noGrp="1" noRot="1" noChangeAspect="1" noMove="1" noResize="1" noEditPoints="1" noAdjustHandles="1" noChangeArrowheads="1" noChangeShapeType="1" noTextEdit="1"/>
-          </p:cNvSpPr>
-          <p:nvPr>
-            <p:extLst>
-              <p:ext uri="{386F3935-93C4-4BCD-93E2-E3B085C9AB24}">
-                <p16:designElem xmlns:p16="http://schemas.microsoft.com/office/powerpoint/2015/main" val="1"/>
-              </p:ext>
-            </p:extLst>
-          </p:nvPr>
-        </p:nvSpPr>
-        <p:spPr>
-          <a:xfrm rot="5400000">
-            <a:off x="2916936" y="4000284"/>
-            <a:ext cx="54864" cy="4206240"/>
+          <a:xfrm rot="10800000">
+            <a:off x="278608" y="2735029"/>
+            <a:ext cx="148286" cy="1188720"/>
           </a:xfrm>
           <a:prstGeom prst="rect">
             <a:avLst/>
@@ -8798,7 +9460,7 @@
     </p:spTree>
     <p:extLst>
       <p:ext uri="{BB962C8B-B14F-4D97-AF65-F5344CB8AC3E}">
-        <p14:creationId xmlns:p14="http://schemas.microsoft.com/office/powerpoint/2010/main" val="3415956645"/>
+        <p14:creationId xmlns:p14="http://schemas.microsoft.com/office/powerpoint/2010/main" val="312777650"/>
       </p:ext>
     </p:extLst>
   </p:cSld>
